--- a/documents/strategy/consumer player/DigiRAMP-DEC-2015.pptx
+++ b/documents/strategy/consumer player/DigiRAMP-DEC-2015.pptx
@@ -7,12 +7,15 @@
   <p:sldIdLst>
     <p:sldId id="256" r:id="rId2"/>
     <p:sldId id="257" r:id="rId3"/>
-    <p:sldId id="258" r:id="rId4"/>
+    <p:sldId id="265" r:id="rId4"/>
     <p:sldId id="263" r:id="rId5"/>
     <p:sldId id="260" r:id="rId6"/>
     <p:sldId id="261" r:id="rId7"/>
-    <p:sldId id="262" r:id="rId8"/>
-    <p:sldId id="264" r:id="rId9"/>
+    <p:sldId id="258" r:id="rId8"/>
+    <p:sldId id="262" r:id="rId9"/>
+    <p:sldId id="264" r:id="rId10"/>
+    <p:sldId id="266" r:id="rId11"/>
+    <p:sldId id="267" r:id="rId12"/>
   </p:sldIdLst>
   <p:sldSz cx="9144000" cy="6858000" type="screen4x3"/>
   <p:notesSz cx="6858000" cy="9144000"/>
@@ -3115,7 +3118,7 @@
         <p:spPr>
           <a:xfrm>
             <a:off x="1371600" y="3505200"/>
-            <a:ext cx="6400800" cy="1752600"/>
+            <a:ext cx="6400800" cy="2216484"/>
           </a:xfrm>
         </p:spPr>
         <p:txBody>
@@ -3203,7 +3206,34 @@
                   <a:schemeClr val="tx1"/>
                 </a:solidFill>
               </a:rPr>
-              <a:t>Promote Artists and Content directly to consumers </a:t>
+              <a:t>Promote Artists </a:t>
+            </a:r>
+            <a:endParaRPr lang="en-US" sz="1800" dirty="0" smtClean="0">
+              <a:solidFill>
+                <a:schemeClr val="tx1"/>
+              </a:solidFill>
+            </a:endParaRPr>
+          </a:p>
+          <a:p>
+            <a:pPr marL="457200" indent="-457200" algn="l">
+              <a:buFont typeface="Arial"/>
+              <a:buChar char="•"/>
+            </a:pPr>
+            <a:r>
+              <a:rPr lang="en-US" sz="1800" dirty="0" smtClean="0">
+                <a:solidFill>
+                  <a:schemeClr val="tx1"/>
+                </a:solidFill>
+              </a:rPr>
+              <a:t>Content </a:t>
+            </a:r>
+            <a:r>
+              <a:rPr lang="en-US" sz="1800" dirty="0">
+                <a:solidFill>
+                  <a:schemeClr val="tx1"/>
+                </a:solidFill>
+              </a:rPr>
+              <a:t>directly to consumers </a:t>
             </a:r>
           </a:p>
         </p:txBody>
@@ -3253,6 +3283,236 @@
       </p:par>
     </p:tnLst>
   </p:timing>
+</p:sld>
+</file>
+
+<file path=ppt/slides/slide10.xml><?xml version="1.0" encoding="utf-8"?>
+<p:sld xmlns:a="http://schemas.openxmlformats.org/drawingml/2006/main" xmlns:r="http://schemas.openxmlformats.org/officeDocument/2006/relationships" xmlns:p="http://schemas.openxmlformats.org/presentationml/2006/main">
+  <p:cSld>
+    <p:spTree>
+      <p:nvGrpSpPr>
+        <p:cNvPr id="1" name=""/>
+        <p:cNvGrpSpPr/>
+        <p:nvPr/>
+      </p:nvGrpSpPr>
+      <p:grpSpPr>
+        <a:xfrm>
+          <a:off x="0" y="0"/>
+          <a:ext cx="0" cy="0"/>
+          <a:chOff x="0" y="0"/>
+          <a:chExt cx="0" cy="0"/>
+        </a:xfrm>
+      </p:grpSpPr>
+      <p:sp>
+        <p:nvSpPr>
+          <p:cNvPr id="2" name="Titel 1"/>
+          <p:cNvSpPr>
+            <a:spLocks noGrp="1"/>
+          </p:cNvSpPr>
+          <p:nvPr>
+            <p:ph type="title"/>
+          </p:nvPr>
+        </p:nvSpPr>
+        <p:spPr/>
+        <p:txBody>
+          <a:bodyPr/>
+          <a:lstStyle/>
+          <a:p>
+            <a:r>
+              <a:rPr lang="en-US" dirty="0" smtClean="0"/>
+              <a:t>Exit opportunities</a:t>
+            </a:r>
+            <a:endParaRPr lang="en-US" dirty="0"/>
+          </a:p>
+        </p:txBody>
+      </p:sp>
+      <p:sp>
+        <p:nvSpPr>
+          <p:cNvPr id="3" name="Pladsholder til indhold 2"/>
+          <p:cNvSpPr>
+            <a:spLocks noGrp="1"/>
+          </p:cNvSpPr>
+          <p:nvPr>
+            <p:ph sz="half" idx="1"/>
+          </p:nvPr>
+        </p:nvSpPr>
+        <p:spPr/>
+        <p:txBody>
+          <a:bodyPr/>
+          <a:lstStyle/>
+          <a:p>
+            <a:r>
+              <a:rPr lang="en-US" dirty="0" smtClean="0"/>
+              <a:t>Sales to another player in the industry</a:t>
+            </a:r>
+          </a:p>
+          <a:p>
+            <a:pPr marL="0" indent="0">
+              <a:buNone/>
+            </a:pPr>
+            <a:endParaRPr lang="en-US" dirty="0"/>
+          </a:p>
+        </p:txBody>
+      </p:sp>
+      <p:sp>
+        <p:nvSpPr>
+          <p:cNvPr id="4" name="Pladsholder til indhold 3"/>
+          <p:cNvSpPr>
+            <a:spLocks noGrp="1"/>
+          </p:cNvSpPr>
+          <p:nvPr>
+            <p:ph sz="half" idx="2"/>
+          </p:nvPr>
+        </p:nvSpPr>
+        <p:spPr/>
+        <p:txBody>
+          <a:bodyPr/>
+          <a:lstStyle/>
+          <a:p>
+            <a:r>
+              <a:rPr lang="en-US" dirty="0" smtClean="0"/>
+              <a:t>Sale to a private equity partner</a:t>
+            </a:r>
+            <a:endParaRPr lang="en-US" dirty="0"/>
+          </a:p>
+        </p:txBody>
+      </p:sp>
+    </p:spTree>
+    <p:extLst>
+      <p:ext uri="{BB962C8B-B14F-4D97-AF65-F5344CB8AC3E}">
+        <p14:creationId xmlns:p14="http://schemas.microsoft.com/office/powerpoint/2010/main" val="354135419"/>
+      </p:ext>
+    </p:extLst>
+  </p:cSld>
+  <p:clrMapOvr>
+    <a:masterClrMapping/>
+  </p:clrMapOvr>
+</p:sld>
+</file>
+
+<file path=ppt/slides/slide11.xml><?xml version="1.0" encoding="utf-8"?>
+<p:sld xmlns:a="http://schemas.openxmlformats.org/drawingml/2006/main" xmlns:r="http://schemas.openxmlformats.org/officeDocument/2006/relationships" xmlns:p="http://schemas.openxmlformats.org/presentationml/2006/main">
+  <p:cSld>
+    <p:spTree>
+      <p:nvGrpSpPr>
+        <p:cNvPr id="1" name=""/>
+        <p:cNvGrpSpPr/>
+        <p:nvPr/>
+      </p:nvGrpSpPr>
+      <p:grpSpPr>
+        <a:xfrm>
+          <a:off x="0" y="0"/>
+          <a:ext cx="0" cy="0"/>
+          <a:chOff x="0" y="0"/>
+          <a:chExt cx="0" cy="0"/>
+        </a:xfrm>
+      </p:grpSpPr>
+      <p:sp>
+        <p:nvSpPr>
+          <p:cNvPr id="2" name="Titel 1"/>
+          <p:cNvSpPr>
+            <a:spLocks noGrp="1"/>
+          </p:cNvSpPr>
+          <p:nvPr>
+            <p:ph type="title"/>
+          </p:nvPr>
+        </p:nvSpPr>
+        <p:spPr/>
+        <p:txBody>
+          <a:bodyPr/>
+          <a:lstStyle/>
+          <a:p>
+            <a:r>
+              <a:rPr lang="en-US" dirty="0" smtClean="0"/>
+              <a:t>What’s the Deal</a:t>
+            </a:r>
+            <a:endParaRPr lang="en-US" dirty="0"/>
+          </a:p>
+        </p:txBody>
+      </p:sp>
+      <p:sp>
+        <p:nvSpPr>
+          <p:cNvPr id="3" name="Pladsholder til indhold 2"/>
+          <p:cNvSpPr>
+            <a:spLocks noGrp="1"/>
+          </p:cNvSpPr>
+          <p:nvPr>
+            <p:ph sz="half" idx="1"/>
+          </p:nvPr>
+        </p:nvSpPr>
+        <p:spPr/>
+        <p:txBody>
+          <a:bodyPr/>
+          <a:lstStyle/>
+          <a:p>
+            <a:r>
+              <a:rPr lang="en-US" dirty="0" smtClean="0"/>
+              <a:t>Amount we are looking for</a:t>
+            </a:r>
+          </a:p>
+          <a:p>
+            <a:r>
+              <a:rPr lang="en-US" dirty="0" smtClean="0"/>
+              <a:t>6-12 month</a:t>
+            </a:r>
+          </a:p>
+          <a:p>
+            <a:r>
+              <a:rPr lang="en-US" dirty="0" smtClean="0"/>
+              <a:t>Market </a:t>
+            </a:r>
+            <a:r>
+              <a:rPr lang="en-US" dirty="0" err="1" smtClean="0"/>
+              <a:t>dev</a:t>
+            </a:r>
+            <a:endParaRPr lang="en-US" dirty="0" smtClean="0"/>
+          </a:p>
+          <a:p>
+            <a:r>
+              <a:rPr lang="en-US" dirty="0" smtClean="0"/>
+              <a:t>User experience </a:t>
+            </a:r>
+            <a:r>
+              <a:rPr lang="en-US" dirty="0" err="1" smtClean="0"/>
+              <a:t>dev</a:t>
+            </a:r>
+            <a:endParaRPr lang="en-US" dirty="0"/>
+          </a:p>
+        </p:txBody>
+      </p:sp>
+      <p:sp>
+        <p:nvSpPr>
+          <p:cNvPr id="4" name="Pladsholder til indhold 3"/>
+          <p:cNvSpPr>
+            <a:spLocks noGrp="1"/>
+          </p:cNvSpPr>
+          <p:nvPr>
+            <p:ph sz="half" idx="2"/>
+          </p:nvPr>
+        </p:nvSpPr>
+        <p:spPr/>
+        <p:txBody>
+          <a:bodyPr/>
+          <a:lstStyle/>
+          <a:p>
+            <a:r>
+              <a:rPr lang="en-US" dirty="0" smtClean="0"/>
+              <a:t>1 mill in Common share</a:t>
+            </a:r>
+            <a:endParaRPr lang="en-US" dirty="0"/>
+          </a:p>
+        </p:txBody>
+      </p:sp>
+    </p:spTree>
+    <p:extLst>
+      <p:ext uri="{BB962C8B-B14F-4D97-AF65-F5344CB8AC3E}">
+        <p14:creationId xmlns:p14="http://schemas.microsoft.com/office/powerpoint/2010/main" val="1401392306"/>
+      </p:ext>
+    </p:extLst>
+  </p:cSld>
+  <p:clrMapOvr>
+    <a:masterClrMapping/>
+  </p:clrMapOvr>
 </p:sld>
 </file>
 
@@ -3456,276 +3716,61 @@
         </p:nvSpPr>
         <p:spPr/>
         <p:txBody>
-          <a:bodyPr/>
+          <a:bodyPr>
+            <a:normAutofit/>
+          </a:bodyPr>
           <a:lstStyle/>
           <a:p>
             <a:r>
               <a:rPr lang="en-US" dirty="0" smtClean="0"/>
-              <a:t>Founders</a:t>
+              <a:t>Market numbers</a:t>
             </a:r>
             <a:endParaRPr lang="en-US" dirty="0"/>
           </a:p>
         </p:txBody>
       </p:sp>
-      <p:pic>
-        <p:nvPicPr>
-          <p:cNvPr id="6" name="Pladsholder til indhold 5" descr="peter-rafelson.jpg"/>
-          <p:cNvPicPr>
-            <a:picLocks noGrp="1" noChangeAspect="1"/>
-          </p:cNvPicPr>
+      <p:sp>
+        <p:nvSpPr>
+          <p:cNvPr id="3" name="Pladsholder til indhold 2"/>
+          <p:cNvSpPr>
+            <a:spLocks noGrp="1"/>
+          </p:cNvSpPr>
           <p:nvPr>
             <p:ph sz="half" idx="1"/>
           </p:nvPr>
-        </p:nvPicPr>
-        <p:blipFill>
-          <a:blip r:embed="rId2">
-            <a:extLst>
-              <a:ext uri="{28A0092B-C50C-407E-A947-70E740481C1C}">
-                <a14:useLocalDpi xmlns:a14="http://schemas.microsoft.com/office/drawing/2010/main" val="0"/>
-              </a:ext>
-            </a:extLst>
-          </a:blip>
-          <a:srcRect t="-6034" b="-6034"/>
-          <a:stretch>
-            <a:fillRect/>
-          </a:stretch>
-        </p:blipFill>
-        <p:spPr>
-          <a:xfrm>
-            <a:off x="457200" y="1600201"/>
-            <a:ext cx="1414378" cy="1585060"/>
-          </a:xfrm>
-        </p:spPr>
-      </p:pic>
-      <p:pic>
-        <p:nvPicPr>
-          <p:cNvPr id="7" name="Pladsholder til indhold 6" descr="max-groenlund.jpg"/>
-          <p:cNvPicPr>
-            <a:picLocks noGrp="1" noChangeAspect="1"/>
-          </p:cNvPicPr>
+        </p:nvSpPr>
+        <p:spPr/>
+        <p:txBody>
+          <a:bodyPr/>
+          <a:lstStyle/>
+          <a:p>
+            <a:endParaRPr lang="en-US"/>
+          </a:p>
+        </p:txBody>
+      </p:sp>
+      <p:sp>
+        <p:nvSpPr>
+          <p:cNvPr id="4" name="Pladsholder til indhold 3"/>
+          <p:cNvSpPr>
+            <a:spLocks noGrp="1"/>
+          </p:cNvSpPr>
           <p:nvPr>
             <p:ph sz="half" idx="2"/>
           </p:nvPr>
-        </p:nvPicPr>
-        <p:blipFill>
-          <a:blip r:embed="rId3">
-            <a:extLst>
-              <a:ext uri="{28A0092B-C50C-407E-A947-70E740481C1C}">
-                <a14:useLocalDpi xmlns:a14="http://schemas.microsoft.com/office/drawing/2010/main" val="0"/>
-              </a:ext>
-            </a:extLst>
-          </a:blip>
-          <a:srcRect l="5384" r="5384"/>
-          <a:stretch>
-            <a:fillRect/>
-          </a:stretch>
-        </p:blipFill>
-        <p:spPr>
-          <a:xfrm>
-            <a:off x="457200" y="4367474"/>
-            <a:ext cx="1414379" cy="1585061"/>
-          </a:xfrm>
-        </p:spPr>
-      </p:pic>
-      <p:sp>
-        <p:nvSpPr>
-          <p:cNvPr id="8" name="Tekstfelt 7"/>
-          <p:cNvSpPr txBox="1"/>
-          <p:nvPr/>
-        </p:nvSpPr>
-        <p:spPr>
-          <a:xfrm>
-            <a:off x="2138947" y="1523246"/>
-            <a:ext cx="2613816" cy="584776"/>
-          </a:xfrm>
-          <a:prstGeom prst="rect">
-            <a:avLst/>
-          </a:prstGeom>
-          <a:noFill/>
-        </p:spPr>
-        <p:txBody>
-          <a:bodyPr wrap="none" rtlCol="0">
-            <a:spAutoFit/>
-          </a:bodyPr>
-          <a:lstStyle/>
-          <a:p>
-            <a:r>
-              <a:rPr lang="en-US" sz="3200" dirty="0"/>
-              <a:t>Peter </a:t>
-            </a:r>
-            <a:r>
-              <a:rPr lang="en-US" sz="3200" dirty="0" smtClean="0"/>
-              <a:t>Rafelson</a:t>
-            </a:r>
-            <a:endParaRPr lang="en-US" sz="3200" dirty="0"/>
-          </a:p>
-        </p:txBody>
-      </p:sp>
-      <p:sp>
-        <p:nvSpPr>
-          <p:cNvPr id="9" name="Tekstfelt 8"/>
-          <p:cNvSpPr txBox="1"/>
-          <p:nvPr/>
-        </p:nvSpPr>
-        <p:spPr>
-          <a:xfrm>
-            <a:off x="2138947" y="4213737"/>
-            <a:ext cx="2578350" cy="584776"/>
-          </a:xfrm>
-          <a:prstGeom prst="rect">
-            <a:avLst/>
-          </a:prstGeom>
-          <a:noFill/>
-        </p:spPr>
-        <p:txBody>
-          <a:bodyPr wrap="none" rtlCol="0">
-            <a:spAutoFit/>
-          </a:bodyPr>
-          <a:lstStyle/>
-          <a:p>
-            <a:r>
-              <a:rPr lang="en-US" sz="3200" dirty="0" smtClean="0"/>
-              <a:t>Max Grønlund</a:t>
-            </a:r>
-            <a:endParaRPr lang="en-US" sz="3200" dirty="0"/>
-          </a:p>
-        </p:txBody>
-      </p:sp>
-      <p:sp>
-        <p:nvSpPr>
-          <p:cNvPr id="10" name="Tekstfelt 9"/>
-          <p:cNvSpPr txBox="1"/>
-          <p:nvPr/>
-        </p:nvSpPr>
-        <p:spPr>
-          <a:xfrm>
-            <a:off x="2138947" y="2074602"/>
-            <a:ext cx="6082632" cy="1200329"/>
-          </a:xfrm>
-          <a:prstGeom prst="rect">
-            <a:avLst/>
-          </a:prstGeom>
-          <a:noFill/>
-        </p:spPr>
-        <p:txBody>
-          <a:bodyPr wrap="square" rtlCol="0">
-            <a:spAutoFit/>
-          </a:bodyPr>
-          <a:lstStyle/>
-          <a:p>
-            <a:pPr marL="285750" indent="-285750">
-              <a:buFont typeface="Arial"/>
-              <a:buChar char="•"/>
-            </a:pPr>
+        </p:nvSpPr>
+        <p:spPr/>
+        <p:txBody>
+          <a:bodyPr/>
+          <a:lstStyle/>
+          <a:p>
+            <a:r>
+              <a:rPr lang="en-US" smtClean="0"/>
+              <a:t>Mobile vs. </a:t>
+            </a:r>
             <a:r>
               <a:rPr lang="en-US" dirty="0" smtClean="0"/>
-              <a:t>Music executive</a:t>
-            </a:r>
-          </a:p>
-          <a:p>
-            <a:pPr marL="285750" indent="-285750">
-              <a:buFont typeface="Arial"/>
-              <a:buChar char="•"/>
-            </a:pPr>
-            <a:r>
-              <a:rPr lang="en-US" dirty="0" smtClean="0"/>
-              <a:t>Licensing expert</a:t>
-            </a:r>
-          </a:p>
-          <a:p>
-            <a:pPr marL="285750" indent="-285750">
-              <a:buFont typeface="Arial"/>
-              <a:buChar char="•"/>
-            </a:pPr>
-            <a:r>
-              <a:rPr lang="en-US" dirty="0" smtClean="0"/>
-              <a:t>Publisher, Producer, Artist, Songwriter</a:t>
-            </a:r>
-          </a:p>
-          <a:p>
-            <a:pPr marL="285750" indent="-285750">
-              <a:buFont typeface="Arial"/>
-              <a:buChar char="•"/>
-            </a:pPr>
-            <a:r>
-              <a:rPr lang="en-US" dirty="0" smtClean="0"/>
-              <a:t>Technologist</a:t>
-            </a:r>
-            <a:endParaRPr lang="en-US" dirty="0"/>
-          </a:p>
-        </p:txBody>
-      </p:sp>
-      <p:sp>
-        <p:nvSpPr>
-          <p:cNvPr id="11" name="Tekstfelt 10"/>
-          <p:cNvSpPr txBox="1"/>
-          <p:nvPr/>
-        </p:nvSpPr>
-        <p:spPr>
-          <a:xfrm>
-            <a:off x="2138947" y="4827742"/>
-            <a:ext cx="6082632" cy="1477328"/>
-          </a:xfrm>
-          <a:prstGeom prst="rect">
-            <a:avLst/>
-          </a:prstGeom>
-          <a:noFill/>
-        </p:spPr>
-        <p:txBody>
-          <a:bodyPr wrap="square" rtlCol="0">
-            <a:spAutoFit/>
-          </a:bodyPr>
-          <a:lstStyle/>
-          <a:p>
-            <a:pPr marL="285750" indent="-285750">
-              <a:buFont typeface="Arial"/>
-              <a:buChar char="•"/>
-            </a:pPr>
-            <a:r>
-              <a:rPr lang="en-US" dirty="0"/>
-              <a:t>S</a:t>
-            </a:r>
-            <a:r>
-              <a:rPr lang="en-US" dirty="0" smtClean="0"/>
-              <a:t>oftware </a:t>
-            </a:r>
-            <a:r>
-              <a:rPr lang="en-US" dirty="0"/>
-              <a:t>architect </a:t>
-            </a:r>
-            <a:endParaRPr lang="en-US" dirty="0" smtClean="0"/>
-          </a:p>
-          <a:p>
-            <a:pPr marL="285750" indent="-285750">
-              <a:buFont typeface="Arial"/>
-              <a:buChar char="•"/>
-            </a:pPr>
-            <a:r>
-              <a:rPr lang="en-US" dirty="0" smtClean="0"/>
-              <a:t>Small high efficient teams</a:t>
-            </a:r>
-          </a:p>
-          <a:p>
-            <a:pPr marL="285750" indent="-285750">
-              <a:buFont typeface="Arial"/>
-              <a:buChar char="•"/>
-            </a:pPr>
-            <a:r>
-              <a:rPr lang="en-US" dirty="0" smtClean="0"/>
-              <a:t>Industrial Tools and Technology</a:t>
-            </a:r>
-          </a:p>
-          <a:p>
-            <a:pPr marL="285750" indent="-285750">
-              <a:buFont typeface="Arial"/>
-              <a:buChar char="•"/>
-            </a:pPr>
-            <a:r>
-              <a:rPr lang="en-US" dirty="0" smtClean="0"/>
-              <a:t>Passionate about supporting the creative</a:t>
-            </a:r>
-          </a:p>
-          <a:p>
+              <a:t>desktop</a:t>
+            </a:r>
             <a:endParaRPr lang="en-US" dirty="0"/>
           </a:p>
         </p:txBody>
@@ -3733,7 +3778,7 @@
     </p:spTree>
     <p:extLst>
       <p:ext uri="{BB962C8B-B14F-4D97-AF65-F5344CB8AC3E}">
-        <p14:creationId xmlns:p14="http://schemas.microsoft.com/office/powerpoint/2010/main" val="592037859"/>
+        <p14:creationId xmlns:p14="http://schemas.microsoft.com/office/powerpoint/2010/main" val="630123541"/>
       </p:ext>
     </p:extLst>
   </p:cSld>
@@ -3777,7 +3822,7 @@
           <a:p>
             <a:r>
               <a:rPr lang="en-US" dirty="0" smtClean="0"/>
-              <a:t>Not worth the effort</a:t>
+              <a:t>Not worth the effort (pain)</a:t>
             </a:r>
             <a:endParaRPr lang="en-US" dirty="0"/>
           </a:p>
@@ -3844,31 +3889,29 @@
           </a:p>
         </p:txBody>
       </p:sp>
-      <p:pic>
-        <p:nvPicPr>
-          <p:cNvPr id="5" name="Pladsholder til indhold 4" descr="sync-license.ai"/>
-          <p:cNvPicPr>
-            <a:picLocks noGrp="1" noChangeAspect="1"/>
-          </p:cNvPicPr>
+      <p:sp>
+        <p:nvSpPr>
+          <p:cNvPr id="6" name="Pladsholder til indhold 5"/>
+          <p:cNvSpPr>
+            <a:spLocks noGrp="1"/>
+          </p:cNvSpPr>
           <p:nvPr>
             <p:ph sz="half" idx="2"/>
           </p:nvPr>
-        </p:nvPicPr>
-        <p:blipFill>
-          <a:blip r:embed="rId2">
-            <a:extLst>
-              <a:ext uri="{28A0092B-C50C-407E-A947-70E740481C1C}">
-                <a14:useLocalDpi xmlns:a14="http://schemas.microsoft.com/office/drawing/2010/main" val="0"/>
-              </a:ext>
-            </a:extLst>
-          </a:blip>
-          <a:srcRect l="555" r="555"/>
-          <a:stretch>
-            <a:fillRect/>
-          </a:stretch>
-        </p:blipFill>
-        <p:spPr/>
-      </p:pic>
+        </p:nvSpPr>
+        <p:spPr/>
+        <p:txBody>
+          <a:bodyPr/>
+          <a:lstStyle/>
+          <a:p>
+            <a:r>
+              <a:rPr lang="en-US" dirty="0" smtClean="0"/>
+              <a:t>User story</a:t>
+            </a:r>
+            <a:endParaRPr lang="en-US" dirty="0"/>
+          </a:p>
+        </p:txBody>
+      </p:sp>
     </p:spTree>
     <p:extLst>
       <p:ext uri="{BB962C8B-B14F-4D97-AF65-F5344CB8AC3E}">
@@ -3918,7 +3961,7 @@
           <a:p>
             <a:r>
               <a:rPr lang="en-US" dirty="0" smtClean="0"/>
-              <a:t>Automation</a:t>
+              <a:t>Automation (answer)</a:t>
             </a:r>
             <a:endParaRPr lang="en-US" dirty="0"/>
           </a:p>
@@ -4314,142 +4357,286 @@
             <p:ph type="title"/>
           </p:nvPr>
         </p:nvSpPr>
+        <p:spPr/>
+        <p:txBody>
+          <a:bodyPr/>
+          <a:lstStyle/>
+          <a:p>
+            <a:r>
+              <a:rPr lang="en-US" dirty="0" smtClean="0"/>
+              <a:t>Founders</a:t>
+            </a:r>
+            <a:endParaRPr lang="en-US" dirty="0"/>
+          </a:p>
+        </p:txBody>
+      </p:sp>
+      <p:pic>
+        <p:nvPicPr>
+          <p:cNvPr id="6" name="Pladsholder til indhold 5" descr="peter-rafelson.jpg"/>
+          <p:cNvPicPr>
+            <a:picLocks noGrp="1" noChangeAspect="1"/>
+          </p:cNvPicPr>
+          <p:nvPr>
+            <p:ph sz="half" idx="1"/>
+          </p:nvPr>
+        </p:nvPicPr>
+        <p:blipFill>
+          <a:blip r:embed="rId2">
+            <a:extLst>
+              <a:ext uri="{28A0092B-C50C-407E-A947-70E740481C1C}">
+                <a14:useLocalDpi xmlns:a14="http://schemas.microsoft.com/office/drawing/2010/main" val="0"/>
+              </a:ext>
+            </a:extLst>
+          </a:blip>
+          <a:srcRect t="-6034" b="-6034"/>
+          <a:stretch>
+            <a:fillRect/>
+          </a:stretch>
+        </p:blipFill>
         <p:spPr>
           <a:xfrm>
-            <a:off x="457200" y="963111"/>
-            <a:ext cx="8229600" cy="1143000"/>
+            <a:off x="457200" y="1600201"/>
+            <a:ext cx="1414378" cy="1585060"/>
           </a:xfrm>
         </p:spPr>
-        <p:txBody>
-          <a:bodyPr/>
-          <a:lstStyle/>
-          <a:p>
-            <a:r>
-              <a:rPr lang="en-US" dirty="0" smtClean="0"/>
-              <a:t>DigiRAMP </a:t>
-            </a:r>
-            <a:r>
-              <a:rPr lang="en-US" dirty="0"/>
-              <a:t>is a hero brand.</a:t>
-            </a:r>
-          </a:p>
-        </p:txBody>
-      </p:sp>
-      <p:sp>
-        <p:nvSpPr>
-          <p:cNvPr id="3" name="Pladsholder til indhold 2"/>
-          <p:cNvSpPr>
-            <a:spLocks noGrp="1"/>
-          </p:cNvSpPr>
-          <p:nvPr>
-            <p:ph sz="half" idx="1"/>
-          </p:nvPr>
-        </p:nvSpPr>
+      </p:pic>
+      <p:pic>
+        <p:nvPicPr>
+          <p:cNvPr id="7" name="Pladsholder til indhold 6" descr="max-groenlund.jpg"/>
+          <p:cNvPicPr>
+            <a:picLocks noGrp="1" noChangeAspect="1"/>
+          </p:cNvPicPr>
+          <p:nvPr>
+            <p:ph sz="half" idx="2"/>
+          </p:nvPr>
+        </p:nvPicPr>
+        <p:blipFill>
+          <a:blip r:embed="rId3">
+            <a:extLst>
+              <a:ext uri="{28A0092B-C50C-407E-A947-70E740481C1C}">
+                <a14:useLocalDpi xmlns:a14="http://schemas.microsoft.com/office/drawing/2010/main" val="0"/>
+              </a:ext>
+            </a:extLst>
+          </a:blip>
+          <a:srcRect l="5384" r="5384"/>
+          <a:stretch>
+            <a:fillRect/>
+          </a:stretch>
+        </p:blipFill>
         <p:spPr>
           <a:xfrm>
-            <a:off x="457200" y="2860842"/>
-            <a:ext cx="3673642" cy="3429000"/>
+            <a:off x="457200" y="4367474"/>
+            <a:ext cx="1414379" cy="1585061"/>
           </a:xfrm>
         </p:spPr>
-        <p:txBody>
-          <a:bodyPr>
-            <a:normAutofit/>
-          </a:bodyPr>
-          <a:lstStyle/>
-          <a:p>
-            <a:r>
-              <a:rPr lang="en-US" sz="1800" dirty="0" smtClean="0"/>
-              <a:t>DigiRAMP stand </a:t>
-            </a:r>
-            <a:r>
-              <a:rPr lang="en-US" sz="1800" dirty="0"/>
-              <a:t>up against all the laws and traditions that prevent creators from getting a fair share for their work. </a:t>
-            </a:r>
-          </a:p>
-          <a:p>
-            <a:r>
-              <a:rPr lang="en-US" sz="1800" dirty="0" smtClean="0"/>
-              <a:t>DigiRAMP respect the world as it is</a:t>
-            </a:r>
-            <a:endParaRPr lang="en-US" sz="1800" dirty="0"/>
-          </a:p>
-          <a:p>
-            <a:r>
-              <a:rPr lang="en-US" sz="1800" dirty="0" smtClean="0"/>
-              <a:t>More money to </a:t>
-            </a:r>
-            <a:r>
-              <a:rPr lang="en-US" sz="1800" dirty="0"/>
-              <a:t>the creators no matter how little or how </a:t>
-            </a:r>
-            <a:r>
-              <a:rPr lang="en-US" sz="1800" dirty="0" smtClean="0"/>
-              <a:t>much</a:t>
-            </a:r>
-          </a:p>
-          <a:p>
-            <a:r>
-              <a:rPr lang="en-US" sz="1800" dirty="0" smtClean="0"/>
-              <a:t>DigiRAMP do not exclude traditional players</a:t>
-            </a:r>
-          </a:p>
-        </p:txBody>
-      </p:sp>
-      <p:sp>
-        <p:nvSpPr>
-          <p:cNvPr id="4" name="Pladsholder til indhold 3"/>
-          <p:cNvSpPr>
-            <a:spLocks noGrp="1"/>
-          </p:cNvSpPr>
-          <p:nvPr>
-            <p:ph sz="half" idx="2"/>
-          </p:nvPr>
+      </p:pic>
+      <p:sp>
+        <p:nvSpPr>
+          <p:cNvPr id="8" name="Tekstfelt 7"/>
+          <p:cNvSpPr txBox="1"/>
+          <p:nvPr/>
         </p:nvSpPr>
         <p:spPr>
           <a:xfrm>
-            <a:off x="5120104" y="2860842"/>
-            <a:ext cx="3566695" cy="2640264"/>
+            <a:off x="2138947" y="1523246"/>
+            <a:ext cx="2613816" cy="584776"/>
           </a:xfrm>
+          <a:prstGeom prst="rect">
+            <a:avLst/>
+          </a:prstGeom>
+          <a:noFill/>
         </p:spPr>
         <p:txBody>
-          <a:bodyPr>
-            <a:normAutofit/>
+          <a:bodyPr wrap="none" rtlCol="0">
+            <a:spAutoFit/>
           </a:bodyPr>
           <a:lstStyle/>
           <a:p>
             <a:r>
-              <a:rPr lang="en-US" sz="1800" dirty="0"/>
-              <a:t>Meet people where they are</a:t>
-            </a:r>
-          </a:p>
-          <a:p>
-            <a:r>
-              <a:rPr lang="en-US" sz="1800" dirty="0"/>
-              <a:t>Is open to the world</a:t>
-            </a:r>
-          </a:p>
-          <a:p>
-            <a:r>
-              <a:rPr lang="en-US" sz="1800" dirty="0"/>
-              <a:t>Lets user owns their life</a:t>
-            </a:r>
-          </a:p>
-          <a:p>
-            <a:r>
-              <a:rPr lang="en-US" sz="1800" dirty="0" smtClean="0"/>
-              <a:t>Transparency and Accurate </a:t>
-            </a:r>
-            <a:r>
-              <a:rPr lang="en-US" sz="1800" dirty="0"/>
-              <a:t>information’s</a:t>
-            </a:r>
+              <a:rPr lang="en-US" sz="3200" dirty="0"/>
+              <a:t>Peter </a:t>
+            </a:r>
+            <a:r>
+              <a:rPr lang="en-US" sz="3200" dirty="0" smtClean="0"/>
+              <a:t>Rafelson</a:t>
+            </a:r>
+            <a:endParaRPr lang="en-US" sz="3200" dirty="0"/>
+          </a:p>
+        </p:txBody>
+      </p:sp>
+      <p:sp>
+        <p:nvSpPr>
+          <p:cNvPr id="9" name="Tekstfelt 8"/>
+          <p:cNvSpPr txBox="1"/>
+          <p:nvPr/>
+        </p:nvSpPr>
+        <p:spPr>
+          <a:xfrm>
+            <a:off x="2138947" y="4213737"/>
+            <a:ext cx="2578350" cy="584776"/>
+          </a:xfrm>
+          <a:prstGeom prst="rect">
+            <a:avLst/>
+          </a:prstGeom>
+          <a:noFill/>
+        </p:spPr>
+        <p:txBody>
+          <a:bodyPr wrap="none" rtlCol="0">
+            <a:spAutoFit/>
+          </a:bodyPr>
+          <a:lstStyle/>
+          <a:p>
+            <a:r>
+              <a:rPr lang="en-US" sz="3200" dirty="0" smtClean="0"/>
+              <a:t>Max Grønlund</a:t>
+            </a:r>
+            <a:endParaRPr lang="en-US" sz="3200" dirty="0"/>
+          </a:p>
+        </p:txBody>
+      </p:sp>
+      <p:sp>
+        <p:nvSpPr>
+          <p:cNvPr id="10" name="Tekstfelt 9"/>
+          <p:cNvSpPr txBox="1"/>
+          <p:nvPr/>
+        </p:nvSpPr>
+        <p:spPr>
+          <a:xfrm>
+            <a:off x="2138947" y="2074602"/>
+            <a:ext cx="6082632" cy="1200329"/>
+          </a:xfrm>
+          <a:prstGeom prst="rect">
+            <a:avLst/>
+          </a:prstGeom>
+          <a:noFill/>
+        </p:spPr>
+        <p:txBody>
+          <a:bodyPr wrap="square" rtlCol="0">
+            <a:spAutoFit/>
+          </a:bodyPr>
+          <a:lstStyle/>
+          <a:p>
+            <a:pPr marL="285750" indent="-285750">
+              <a:buFont typeface="Arial"/>
+              <a:buChar char="•"/>
+            </a:pPr>
+            <a:r>
+              <a:rPr lang="en-US" dirty="0" smtClean="0"/>
+              <a:t>Music executive</a:t>
+            </a:r>
+          </a:p>
+          <a:p>
+            <a:pPr marL="285750" indent="-285750">
+              <a:buFont typeface="Arial"/>
+              <a:buChar char="•"/>
+            </a:pPr>
+            <a:r>
+              <a:rPr lang="en-US" dirty="0" smtClean="0"/>
+              <a:t>Licensing expert</a:t>
+            </a:r>
+          </a:p>
+          <a:p>
+            <a:pPr marL="285750" indent="-285750">
+              <a:buFont typeface="Arial"/>
+              <a:buChar char="•"/>
+            </a:pPr>
+            <a:r>
+              <a:rPr lang="en-US" dirty="0" smtClean="0"/>
+              <a:t>Publisher, Producer, Artist, Songwriter</a:t>
+            </a:r>
+          </a:p>
+          <a:p>
+            <a:pPr marL="285750" indent="-285750">
+              <a:buFont typeface="Arial"/>
+              <a:buChar char="•"/>
+            </a:pPr>
+            <a:r>
+              <a:rPr lang="en-US" dirty="0" smtClean="0"/>
+              <a:t>Technologist</a:t>
+            </a:r>
+            <a:endParaRPr lang="en-US" dirty="0"/>
+          </a:p>
+        </p:txBody>
+      </p:sp>
+      <p:sp>
+        <p:nvSpPr>
+          <p:cNvPr id="11" name="Tekstfelt 10"/>
+          <p:cNvSpPr txBox="1"/>
+          <p:nvPr/>
+        </p:nvSpPr>
+        <p:spPr>
+          <a:xfrm>
+            <a:off x="2138947" y="4827742"/>
+            <a:ext cx="6082632" cy="1477328"/>
+          </a:xfrm>
+          <a:prstGeom prst="rect">
+            <a:avLst/>
+          </a:prstGeom>
+          <a:noFill/>
+        </p:spPr>
+        <p:txBody>
+          <a:bodyPr wrap="square" rtlCol="0">
+            <a:spAutoFit/>
+          </a:bodyPr>
+          <a:lstStyle/>
+          <a:p>
+            <a:pPr marL="285750" indent="-285750">
+              <a:buFont typeface="Arial"/>
+              <a:buChar char="•"/>
+            </a:pPr>
+            <a:r>
+              <a:rPr lang="en-US" dirty="0"/>
+              <a:t>S</a:t>
+            </a:r>
+            <a:r>
+              <a:rPr lang="en-US" dirty="0" smtClean="0"/>
+              <a:t>oftware </a:t>
+            </a:r>
+            <a:r>
+              <a:rPr lang="en-US" dirty="0"/>
+              <a:t>architect </a:t>
+            </a:r>
+            <a:endParaRPr lang="en-US" dirty="0" smtClean="0"/>
+          </a:p>
+          <a:p>
+            <a:pPr marL="285750" indent="-285750">
+              <a:buFont typeface="Arial"/>
+              <a:buChar char="•"/>
+            </a:pPr>
+            <a:r>
+              <a:rPr lang="en-US" dirty="0" smtClean="0"/>
+              <a:t>Small high efficient teams</a:t>
+            </a:r>
+          </a:p>
+          <a:p>
+            <a:pPr marL="285750" indent="-285750">
+              <a:buFont typeface="Arial"/>
+              <a:buChar char="•"/>
+            </a:pPr>
+            <a:r>
+              <a:rPr lang="en-US" dirty="0" smtClean="0"/>
+              <a:t>Industrial Tools and Technology</a:t>
+            </a:r>
+          </a:p>
+          <a:p>
+            <a:pPr marL="285750" indent="-285750">
+              <a:buFont typeface="Arial"/>
+              <a:buChar char="•"/>
+            </a:pPr>
+            <a:r>
+              <a:rPr lang="en-US" dirty="0" smtClean="0"/>
+              <a:t>Passionate about supporting the creative</a:t>
+            </a:r>
+          </a:p>
+          <a:p>
+            <a:endParaRPr lang="en-US" dirty="0"/>
           </a:p>
         </p:txBody>
       </p:sp>
     </p:spTree>
     <p:extLst>
       <p:ext uri="{BB962C8B-B14F-4D97-AF65-F5344CB8AC3E}">
-        <p14:creationId xmlns:p14="http://schemas.microsoft.com/office/powerpoint/2010/main" val="3139739621"/>
+        <p14:creationId xmlns:p14="http://schemas.microsoft.com/office/powerpoint/2010/main" val="592037859"/>
       </p:ext>
     </p:extLst>
   </p:cSld>
@@ -4486,14 +4673,186 @@
             <p:ph type="title"/>
           </p:nvPr>
         </p:nvSpPr>
-        <p:spPr/>
+        <p:spPr>
+          <a:xfrm>
+            <a:off x="457200" y="963111"/>
+            <a:ext cx="8229600" cy="1143000"/>
+          </a:xfrm>
+        </p:spPr>
         <p:txBody>
           <a:bodyPr/>
           <a:lstStyle/>
           <a:p>
             <a:r>
               <a:rPr lang="en-US" dirty="0" smtClean="0"/>
-              <a:t>Exit</a:t>
+              <a:t>DigiRAMP </a:t>
+            </a:r>
+            <a:r>
+              <a:rPr lang="en-US" dirty="0"/>
+              <a:t>is a hero brand.</a:t>
+            </a:r>
+          </a:p>
+        </p:txBody>
+      </p:sp>
+      <p:sp>
+        <p:nvSpPr>
+          <p:cNvPr id="3" name="Pladsholder til indhold 2"/>
+          <p:cNvSpPr>
+            <a:spLocks noGrp="1"/>
+          </p:cNvSpPr>
+          <p:nvPr>
+            <p:ph sz="half" idx="1"/>
+          </p:nvPr>
+        </p:nvSpPr>
+        <p:spPr>
+          <a:xfrm>
+            <a:off x="457200" y="2860842"/>
+            <a:ext cx="3673642" cy="3429000"/>
+          </a:xfrm>
+        </p:spPr>
+        <p:txBody>
+          <a:bodyPr>
+            <a:normAutofit/>
+          </a:bodyPr>
+          <a:lstStyle/>
+          <a:p>
+            <a:r>
+              <a:rPr lang="en-US" sz="1800" dirty="0" smtClean="0"/>
+              <a:t>DigiRAMP stand </a:t>
+            </a:r>
+            <a:r>
+              <a:rPr lang="en-US" sz="1800" dirty="0"/>
+              <a:t>up against all the laws and traditions that prevent creators from getting a fair share for their work. </a:t>
+            </a:r>
+          </a:p>
+          <a:p>
+            <a:r>
+              <a:rPr lang="en-US" sz="1800" dirty="0" smtClean="0"/>
+              <a:t>DigiRAMP respect the world as it is</a:t>
+            </a:r>
+            <a:endParaRPr lang="en-US" sz="1800" dirty="0"/>
+          </a:p>
+          <a:p>
+            <a:r>
+              <a:rPr lang="en-US" sz="1800" dirty="0" smtClean="0"/>
+              <a:t>More money to </a:t>
+            </a:r>
+            <a:r>
+              <a:rPr lang="en-US" sz="1800" dirty="0"/>
+              <a:t>the creators no matter how little or how </a:t>
+            </a:r>
+            <a:r>
+              <a:rPr lang="en-US" sz="1800" dirty="0" smtClean="0"/>
+              <a:t>much</a:t>
+            </a:r>
+          </a:p>
+          <a:p>
+            <a:r>
+              <a:rPr lang="en-US" sz="1800" dirty="0" smtClean="0"/>
+              <a:t>DigiRAMP do not exclude traditional players</a:t>
+            </a:r>
+          </a:p>
+        </p:txBody>
+      </p:sp>
+      <p:sp>
+        <p:nvSpPr>
+          <p:cNvPr id="4" name="Pladsholder til indhold 3"/>
+          <p:cNvSpPr>
+            <a:spLocks noGrp="1"/>
+          </p:cNvSpPr>
+          <p:nvPr>
+            <p:ph sz="half" idx="2"/>
+          </p:nvPr>
+        </p:nvSpPr>
+        <p:spPr>
+          <a:xfrm>
+            <a:off x="5120104" y="2860842"/>
+            <a:ext cx="3566695" cy="2640264"/>
+          </a:xfrm>
+        </p:spPr>
+        <p:txBody>
+          <a:bodyPr>
+            <a:normAutofit/>
+          </a:bodyPr>
+          <a:lstStyle/>
+          <a:p>
+            <a:r>
+              <a:rPr lang="en-US" sz="1800" dirty="0"/>
+              <a:t>Meet people where they are</a:t>
+            </a:r>
+          </a:p>
+          <a:p>
+            <a:r>
+              <a:rPr lang="en-US" sz="1800" dirty="0"/>
+              <a:t>Is open to the world</a:t>
+            </a:r>
+          </a:p>
+          <a:p>
+            <a:r>
+              <a:rPr lang="en-US" sz="1800" dirty="0"/>
+              <a:t>Lets user owns their life</a:t>
+            </a:r>
+          </a:p>
+          <a:p>
+            <a:r>
+              <a:rPr lang="en-US" sz="1800" dirty="0" smtClean="0"/>
+              <a:t>Transparency and Accurate </a:t>
+            </a:r>
+            <a:r>
+              <a:rPr lang="en-US" sz="1800" dirty="0"/>
+              <a:t>information’s</a:t>
+            </a:r>
+          </a:p>
+        </p:txBody>
+      </p:sp>
+    </p:spTree>
+    <p:extLst>
+      <p:ext uri="{BB962C8B-B14F-4D97-AF65-F5344CB8AC3E}">
+        <p14:creationId xmlns:p14="http://schemas.microsoft.com/office/powerpoint/2010/main" val="3139739621"/>
+      </p:ext>
+    </p:extLst>
+  </p:cSld>
+  <p:clrMapOvr>
+    <a:masterClrMapping/>
+  </p:clrMapOvr>
+</p:sld>
+</file>
+
+<file path=ppt/slides/slide9.xml><?xml version="1.0" encoding="utf-8"?>
+<p:sld xmlns:a="http://schemas.openxmlformats.org/drawingml/2006/main" xmlns:r="http://schemas.openxmlformats.org/officeDocument/2006/relationships" xmlns:p="http://schemas.openxmlformats.org/presentationml/2006/main">
+  <p:cSld>
+    <p:spTree>
+      <p:nvGrpSpPr>
+        <p:cNvPr id="1" name=""/>
+        <p:cNvGrpSpPr/>
+        <p:nvPr/>
+      </p:nvGrpSpPr>
+      <p:grpSpPr>
+        <a:xfrm>
+          <a:off x="0" y="0"/>
+          <a:ext cx="0" cy="0"/>
+          <a:chOff x="0" y="0"/>
+          <a:chExt cx="0" cy="0"/>
+        </a:xfrm>
+      </p:grpSpPr>
+      <p:sp>
+        <p:nvSpPr>
+          <p:cNvPr id="2" name="Titel 1"/>
+          <p:cNvSpPr>
+            <a:spLocks noGrp="1"/>
+          </p:cNvSpPr>
+          <p:nvPr>
+            <p:ph type="title"/>
+          </p:nvPr>
+        </p:nvSpPr>
+        <p:spPr/>
+        <p:txBody>
+          <a:bodyPr/>
+          <a:lstStyle/>
+          <a:p>
+            <a:r>
+              <a:rPr lang="en-US" dirty="0" smtClean="0"/>
+              <a:t>Keys to Success</a:t>
             </a:r>
             <a:endParaRPr lang="en-US" dirty="0"/>
           </a:p>

--- a/documents/strategy/consumer player/DigiRAMP-DEC-2015.pptx
+++ b/documents/strategy/consumer player/DigiRAMP-DEC-2015.pptx
@@ -298,7 +298,7 @@
           <a:p>
             <a:fld id="{94A1AB02-EA7B-C349-BE85-9A7EBEB5045D}" type="datetimeFigureOut">
               <a:rPr lang="da-DK" smtClean="0"/>
-              <a:t>03/12/15</a:t>
+              <a:t>10/12/15</a:t>
             </a:fld>
             <a:endParaRPr lang="en-US"/>
           </a:p>
@@ -468,7 +468,7 @@
           <a:p>
             <a:fld id="{94A1AB02-EA7B-C349-BE85-9A7EBEB5045D}" type="datetimeFigureOut">
               <a:rPr lang="da-DK" smtClean="0"/>
-              <a:t>03/12/15</a:t>
+              <a:t>10/12/15</a:t>
             </a:fld>
             <a:endParaRPr lang="en-US"/>
           </a:p>
@@ -648,7 +648,7 @@
           <a:p>
             <a:fld id="{94A1AB02-EA7B-C349-BE85-9A7EBEB5045D}" type="datetimeFigureOut">
               <a:rPr lang="da-DK" smtClean="0"/>
-              <a:t>03/12/15</a:t>
+              <a:t>10/12/15</a:t>
             </a:fld>
             <a:endParaRPr lang="en-US"/>
           </a:p>
@@ -818,7 +818,7 @@
           <a:p>
             <a:fld id="{94A1AB02-EA7B-C349-BE85-9A7EBEB5045D}" type="datetimeFigureOut">
               <a:rPr lang="da-DK" smtClean="0"/>
-              <a:t>03/12/15</a:t>
+              <a:t>10/12/15</a:t>
             </a:fld>
             <a:endParaRPr lang="en-US"/>
           </a:p>
@@ -1064,7 +1064,7 @@
           <a:p>
             <a:fld id="{94A1AB02-EA7B-C349-BE85-9A7EBEB5045D}" type="datetimeFigureOut">
               <a:rPr lang="da-DK" smtClean="0"/>
-              <a:t>03/12/15</a:t>
+              <a:t>10/12/15</a:t>
             </a:fld>
             <a:endParaRPr lang="en-US"/>
           </a:p>
@@ -1352,7 +1352,7 @@
           <a:p>
             <a:fld id="{94A1AB02-EA7B-C349-BE85-9A7EBEB5045D}" type="datetimeFigureOut">
               <a:rPr lang="da-DK" smtClean="0"/>
-              <a:t>03/12/15</a:t>
+              <a:t>10/12/15</a:t>
             </a:fld>
             <a:endParaRPr lang="en-US"/>
           </a:p>
@@ -1774,7 +1774,7 @@
           <a:p>
             <a:fld id="{94A1AB02-EA7B-C349-BE85-9A7EBEB5045D}" type="datetimeFigureOut">
               <a:rPr lang="da-DK" smtClean="0"/>
-              <a:t>03/12/15</a:t>
+              <a:t>10/12/15</a:t>
             </a:fld>
             <a:endParaRPr lang="en-US"/>
           </a:p>
@@ -1892,7 +1892,7 @@
           <a:p>
             <a:fld id="{94A1AB02-EA7B-C349-BE85-9A7EBEB5045D}" type="datetimeFigureOut">
               <a:rPr lang="da-DK" smtClean="0"/>
-              <a:t>03/12/15</a:t>
+              <a:t>10/12/15</a:t>
             </a:fld>
             <a:endParaRPr lang="en-US"/>
           </a:p>
@@ -1987,7 +1987,7 @@
           <a:p>
             <a:fld id="{94A1AB02-EA7B-C349-BE85-9A7EBEB5045D}" type="datetimeFigureOut">
               <a:rPr lang="da-DK" smtClean="0"/>
-              <a:t>03/12/15</a:t>
+              <a:t>10/12/15</a:t>
             </a:fld>
             <a:endParaRPr lang="en-US"/>
           </a:p>
@@ -2264,7 +2264,7 @@
           <a:p>
             <a:fld id="{94A1AB02-EA7B-C349-BE85-9A7EBEB5045D}" type="datetimeFigureOut">
               <a:rPr lang="da-DK" smtClean="0"/>
-              <a:t>03/12/15</a:t>
+              <a:t>10/12/15</a:t>
             </a:fld>
             <a:endParaRPr lang="en-US"/>
           </a:p>
@@ -2517,7 +2517,7 @@
           <a:p>
             <a:fld id="{94A1AB02-EA7B-C349-BE85-9A7EBEB5045D}" type="datetimeFigureOut">
               <a:rPr lang="da-DK" smtClean="0"/>
-              <a:t>03/12/15</a:t>
+              <a:t>10/12/15</a:t>
             </a:fld>
             <a:endParaRPr lang="en-US"/>
           </a:p>
@@ -2730,7 +2730,7 @@
           <a:p>
             <a:fld id="{94A1AB02-EA7B-C349-BE85-9A7EBEB5045D}" type="datetimeFigureOut">
               <a:rPr lang="da-DK" smtClean="0"/>
-              <a:t>03/12/15</a:t>
+              <a:t>10/12/15</a:t>
             </a:fld>
             <a:endParaRPr lang="en-US"/>
           </a:p>
@@ -3343,8 +3343,13 @@
           <a:p>
             <a:r>
               <a:rPr lang="en-US" dirty="0" smtClean="0"/>
-              <a:t>Sales to another player in the industry</a:t>
-            </a:r>
+              <a:t>Sales to another player in the </a:t>
+            </a:r>
+            <a:r>
+              <a:rPr lang="en-US" dirty="0" smtClean="0"/>
+              <a:t>industry.</a:t>
+            </a:r>
+            <a:endParaRPr lang="en-US" dirty="0" smtClean="0"/>
           </a:p>
           <a:p>
             <a:pPr marL="0" indent="0">
@@ -3731,12 +3736,12 @@
       </p:sp>
       <p:sp>
         <p:nvSpPr>
-          <p:cNvPr id="3" name="Pladsholder til indhold 2"/>
-          <p:cNvSpPr>
-            <a:spLocks noGrp="1"/>
-          </p:cNvSpPr>
-          <p:nvPr>
-            <p:ph sz="half" idx="1"/>
+          <p:cNvPr id="4" name="Pladsholder til indhold 3"/>
+          <p:cNvSpPr>
+            <a:spLocks noGrp="1"/>
+          </p:cNvSpPr>
+          <p:nvPr>
+            <p:ph sz="half" idx="2"/>
           </p:nvPr>
         </p:nvSpPr>
         <p:spPr/>
@@ -3744,37 +3749,94 @@
           <a:bodyPr/>
           <a:lstStyle/>
           <a:p>
-            <a:endParaRPr lang="en-US"/>
-          </a:p>
-        </p:txBody>
-      </p:sp>
-      <p:sp>
-        <p:nvSpPr>
-          <p:cNvPr id="4" name="Pladsholder til indhold 3"/>
-          <p:cNvSpPr>
-            <a:spLocks noGrp="1"/>
-          </p:cNvSpPr>
-          <p:nvPr>
-            <p:ph sz="half" idx="2"/>
-          </p:nvPr>
-        </p:nvSpPr>
-        <p:spPr/>
-        <p:txBody>
-          <a:bodyPr/>
-          <a:lstStyle/>
-          <a:p>
-            <a:r>
-              <a:rPr lang="en-US" smtClean="0"/>
-              <a:t>Mobile vs. </a:t>
-            </a:r>
             <a:r>
               <a:rPr lang="en-US" dirty="0" smtClean="0"/>
-              <a:t>desktop</a:t>
-            </a:r>
-            <a:endParaRPr lang="en-US" dirty="0"/>
-          </a:p>
-        </p:txBody>
-      </p:sp>
+              <a:t>Production is climbing</a:t>
+            </a:r>
+          </a:p>
+          <a:p>
+            <a:r>
+              <a:rPr lang="en-US" dirty="0" smtClean="0"/>
+              <a:t>Subscriptions is the future</a:t>
+            </a:r>
+          </a:p>
+          <a:p>
+            <a:r>
+              <a:rPr lang="en-US" dirty="0" smtClean="0"/>
+              <a:t>More Music + Lower price pr. Song.</a:t>
+            </a:r>
+          </a:p>
+          <a:p>
+            <a:r>
+              <a:rPr lang="en-US" dirty="0" smtClean="0"/>
+              <a:t>Less $ to the creators</a:t>
+            </a:r>
+          </a:p>
+          <a:p>
+            <a:endParaRPr lang="en-US" dirty="0" smtClean="0"/>
+          </a:p>
+        </p:txBody>
+      </p:sp>
+      <p:pic>
+        <p:nvPicPr>
+          <p:cNvPr id="7" name="Billede 6" descr="Revenue of record production.png"/>
+          <p:cNvPicPr>
+            <a:picLocks noChangeAspect="1"/>
+          </p:cNvPicPr>
+          <p:nvPr/>
+        </p:nvPicPr>
+        <p:blipFill>
+          <a:blip r:embed="rId2">
+            <a:extLst>
+              <a:ext uri="{28A0092B-C50C-407E-A947-70E740481C1C}">
+                <a14:useLocalDpi xmlns:a14="http://schemas.microsoft.com/office/drawing/2010/main" val="0"/>
+              </a:ext>
+            </a:extLst>
+          </a:blip>
+          <a:stretch>
+            <a:fillRect/>
+          </a:stretch>
+        </p:blipFill>
+        <p:spPr>
+          <a:xfrm>
+            <a:off x="327526" y="1600200"/>
+            <a:ext cx="4150895" cy="2295201"/>
+          </a:xfrm>
+          <a:prstGeom prst="rect">
+            <a:avLst/>
+          </a:prstGeom>
+        </p:spPr>
+      </p:pic>
+      <p:pic>
+        <p:nvPicPr>
+          <p:cNvPr id="8" name="Billede 7" descr="ovummusicdata.png"/>
+          <p:cNvPicPr>
+            <a:picLocks noChangeAspect="1"/>
+          </p:cNvPicPr>
+          <p:nvPr/>
+        </p:nvPicPr>
+        <p:blipFill>
+          <a:blip r:embed="rId3">
+            <a:extLst>
+              <a:ext uri="{28A0092B-C50C-407E-A947-70E740481C1C}">
+                <a14:useLocalDpi xmlns:a14="http://schemas.microsoft.com/office/drawing/2010/main" val="0"/>
+              </a:ext>
+            </a:extLst>
+          </a:blip>
+          <a:stretch>
+            <a:fillRect/>
+          </a:stretch>
+        </p:blipFill>
+        <p:spPr>
+          <a:xfrm>
+            <a:off x="891675" y="4097421"/>
+            <a:ext cx="3165290" cy="2399632"/>
+          </a:xfrm>
+          <a:prstGeom prst="rect">
+            <a:avLst/>
+          </a:prstGeom>
+        </p:spPr>
+      </p:pic>
     </p:spTree>
     <p:extLst>
       <p:ext uri="{BB962C8B-B14F-4D97-AF65-F5344CB8AC3E}">
@@ -3889,29 +3951,36 @@
           </a:p>
         </p:txBody>
       </p:sp>
-      <p:sp>
-        <p:nvSpPr>
-          <p:cNvPr id="6" name="Pladsholder til indhold 5"/>
-          <p:cNvSpPr>
-            <a:spLocks noGrp="1"/>
-          </p:cNvSpPr>
-          <p:nvPr>
-            <p:ph sz="half" idx="2"/>
-          </p:nvPr>
-        </p:nvSpPr>
-        <p:spPr/>
-        <p:txBody>
-          <a:bodyPr/>
-          <a:lstStyle/>
-          <a:p>
-            <a:r>
-              <a:rPr lang="en-US" dirty="0" smtClean="0"/>
-              <a:t>User story</a:t>
-            </a:r>
-            <a:endParaRPr lang="en-US" dirty="0"/>
-          </a:p>
-        </p:txBody>
-      </p:sp>
+      <p:pic>
+        <p:nvPicPr>
+          <p:cNvPr id="5" name="Billede 4" descr="sync-licensing.png"/>
+          <p:cNvPicPr>
+            <a:picLocks noChangeAspect="1"/>
+          </p:cNvPicPr>
+          <p:nvPr/>
+        </p:nvPicPr>
+        <p:blipFill>
+          <a:blip r:embed="rId2">
+            <a:extLst>
+              <a:ext uri="{28A0092B-C50C-407E-A947-70E740481C1C}">
+                <a14:useLocalDpi xmlns:a14="http://schemas.microsoft.com/office/drawing/2010/main" val="0"/>
+              </a:ext>
+            </a:extLst>
+          </a:blip>
+          <a:stretch>
+            <a:fillRect/>
+          </a:stretch>
+        </p:blipFill>
+        <p:spPr>
+          <a:xfrm>
+            <a:off x="4446772" y="1270000"/>
+            <a:ext cx="4240028" cy="4699000"/>
+          </a:xfrm>
+          <a:prstGeom prst="rect">
+            <a:avLst/>
+          </a:prstGeom>
+        </p:spPr>
+      </p:pic>
     </p:spTree>
     <p:extLst>
       <p:ext uri="{BB962C8B-B14F-4D97-AF65-F5344CB8AC3E}">
